--- a/ADA/HUFFMAN2/recursos/kb1.pptx
+++ b/ADA/HUFFMAN2/recursos/kb1.pptx
@@ -104,6 +104,11 @@
       </a:defRPr>
     </a:lvl9pPr>
   </p:defaultTextStyle>
+  <p:extLst>
+    <p:ext uri="{EFAFB233-063F-42B5-8137-9DF3F51BA10A}">
+      <p15:sldGuideLst xmlns:p15="http://schemas.microsoft.com/office/powerpoint/2012/main"/>
+    </p:ext>
+  </p:extLst>
 </p:presentation>
 </file>
 
@@ -3342,60 +3347,6 @@
           <a:chExt cx="0" cy="0"/>
         </a:xfrm>
       </p:grpSpPr>
-      <p:sp>
-        <p:nvSpPr>
-          <p:cNvPr id="2" name="Title 1">
-            <a:extLst>
-              <a:ext uri="{FF2B5EF4-FFF2-40B4-BE49-F238E27FC236}">
-                <a16:creationId xmlns:a16="http://schemas.microsoft.com/office/drawing/2014/main" id="{5220BEEA-3AE9-7E94-3D45-F81CD824D35D}"/>
-              </a:ext>
-            </a:extLst>
-          </p:cNvPr>
-          <p:cNvSpPr>
-            <a:spLocks noGrp="1"/>
-          </p:cNvSpPr>
-          <p:nvPr>
-            <p:ph type="ctrTitle"/>
-          </p:nvPr>
-        </p:nvSpPr>
-        <p:spPr/>
-        <p:txBody>
-          <a:bodyPr/>
-          <a:lstStyle/>
-          <a:p>
-            <a:r>
-              <a:rPr lang="en-US"/>
-              <a:t>dsfasdfadsfasdfewrewfasfa</a:t>
-            </a:r>
-            <a:endParaRPr lang="es-MX"/>
-          </a:p>
-        </p:txBody>
-      </p:sp>
-      <p:sp>
-        <p:nvSpPr>
-          <p:cNvPr id="3" name="Subtitle 2">
-            <a:extLst>
-              <a:ext uri="{FF2B5EF4-FFF2-40B4-BE49-F238E27FC236}">
-                <a16:creationId xmlns:a16="http://schemas.microsoft.com/office/drawing/2014/main" id="{CA02636D-7BEE-1EB3-D79D-6C3D903A71D4}"/>
-              </a:ext>
-            </a:extLst>
-          </p:cNvPr>
-          <p:cNvSpPr>
-            <a:spLocks noGrp="1"/>
-          </p:cNvSpPr>
-          <p:nvPr>
-            <p:ph type="subTitle" idx="1"/>
-          </p:nvPr>
-        </p:nvSpPr>
-        <p:spPr/>
-        <p:txBody>
-          <a:bodyPr/>
-          <a:lstStyle/>
-          <a:p>
-            <a:endParaRPr lang="es-MX"/>
-          </a:p>
-        </p:txBody>
-      </p:sp>
     </p:spTree>
     <p:extLst>
       <p:ext uri="{BB962C8B-B14F-4D97-AF65-F5344CB8AC3E}">
